--- a/assets/logoidea/ロゴ案1.pptx
+++ b/assets/logoidea/ロゴ案1.pptx
@@ -10,8 +10,9 @@
     <p:sldId id="258" r:id="rId4"/>
     <p:sldId id="261" r:id="rId5"/>
     <p:sldId id="257" r:id="rId6"/>
-    <p:sldId id="260" r:id="rId7"/>
-    <p:sldId id="262" r:id="rId8"/>
+    <p:sldId id="262" r:id="rId7"/>
+    <p:sldId id="260" r:id="rId8"/>
+    <p:sldId id="263" r:id="rId9"/>
   </p:sldIdLst>
   <p:sldSz cx="10799763" cy="5400675"/>
   <p:notesSz cx="6858000" cy="9144000"/>
@@ -249,7 +250,7 @@
           <a:p>
             <a:fld id="{A49973B6-710A-47A1-940A-9B352E82F0D3}" type="datetimeFigureOut">
               <a:rPr kumimoji="1" lang="ja-JP" altLang="en-US" smtClean="0"/>
-              <a:t>2019/10/12</a:t>
+              <a:t>2019/12/10</a:t>
             </a:fld>
             <a:endParaRPr kumimoji="1" lang="ja-JP" altLang="en-US"/>
           </a:p>
@@ -451,7 +452,7 @@
           <a:p>
             <a:fld id="{A49973B6-710A-47A1-940A-9B352E82F0D3}" type="datetimeFigureOut">
               <a:rPr kumimoji="1" lang="ja-JP" altLang="en-US" smtClean="0"/>
-              <a:t>2019/10/12</a:t>
+              <a:t>2019/12/10</a:t>
             </a:fld>
             <a:endParaRPr kumimoji="1" lang="ja-JP" altLang="en-US"/>
           </a:p>
@@ -663,7 +664,7 @@
           <a:p>
             <a:fld id="{A49973B6-710A-47A1-940A-9B352E82F0D3}" type="datetimeFigureOut">
               <a:rPr kumimoji="1" lang="ja-JP" altLang="en-US" smtClean="0"/>
-              <a:t>2019/10/12</a:t>
+              <a:t>2019/12/10</a:t>
             </a:fld>
             <a:endParaRPr kumimoji="1" lang="ja-JP" altLang="en-US"/>
           </a:p>
@@ -865,7 +866,7 @@
           <a:p>
             <a:fld id="{A49973B6-710A-47A1-940A-9B352E82F0D3}" type="datetimeFigureOut">
               <a:rPr kumimoji="1" lang="ja-JP" altLang="en-US" smtClean="0"/>
-              <a:t>2019/10/12</a:t>
+              <a:t>2019/12/10</a:t>
             </a:fld>
             <a:endParaRPr kumimoji="1" lang="ja-JP" altLang="en-US"/>
           </a:p>
@@ -1111,7 +1112,7 @@
           <a:p>
             <a:fld id="{A49973B6-710A-47A1-940A-9B352E82F0D3}" type="datetimeFigureOut">
               <a:rPr kumimoji="1" lang="ja-JP" altLang="en-US" smtClean="0"/>
-              <a:t>2019/10/12</a:t>
+              <a:t>2019/12/10</a:t>
             </a:fld>
             <a:endParaRPr kumimoji="1" lang="ja-JP" altLang="en-US"/>
           </a:p>
@@ -1407,7 +1408,7 @@
           <a:p>
             <a:fld id="{A49973B6-710A-47A1-940A-9B352E82F0D3}" type="datetimeFigureOut">
               <a:rPr kumimoji="1" lang="ja-JP" altLang="en-US" smtClean="0"/>
-              <a:t>2019/10/12</a:t>
+              <a:t>2019/12/10</a:t>
             </a:fld>
             <a:endParaRPr kumimoji="1" lang="ja-JP" altLang="en-US"/>
           </a:p>
@@ -1838,7 +1839,7 @@
           <a:p>
             <a:fld id="{A49973B6-710A-47A1-940A-9B352E82F0D3}" type="datetimeFigureOut">
               <a:rPr kumimoji="1" lang="ja-JP" altLang="en-US" smtClean="0"/>
-              <a:t>2019/10/12</a:t>
+              <a:t>2019/12/10</a:t>
             </a:fld>
             <a:endParaRPr kumimoji="1" lang="ja-JP" altLang="en-US"/>
           </a:p>
@@ -1956,7 +1957,7 @@
           <a:p>
             <a:fld id="{A49973B6-710A-47A1-940A-9B352E82F0D3}" type="datetimeFigureOut">
               <a:rPr kumimoji="1" lang="ja-JP" altLang="en-US" smtClean="0"/>
-              <a:t>2019/10/12</a:t>
+              <a:t>2019/12/10</a:t>
             </a:fld>
             <a:endParaRPr kumimoji="1" lang="ja-JP" altLang="en-US"/>
           </a:p>
@@ -2051,7 +2052,7 @@
           <a:p>
             <a:fld id="{A49973B6-710A-47A1-940A-9B352E82F0D3}" type="datetimeFigureOut">
               <a:rPr kumimoji="1" lang="ja-JP" altLang="en-US" smtClean="0"/>
-              <a:t>2019/10/12</a:t>
+              <a:t>2019/12/10</a:t>
             </a:fld>
             <a:endParaRPr kumimoji="1" lang="ja-JP" altLang="en-US"/>
           </a:p>
@@ -2360,7 +2361,7 @@
           <a:p>
             <a:fld id="{A49973B6-710A-47A1-940A-9B352E82F0D3}" type="datetimeFigureOut">
               <a:rPr kumimoji="1" lang="ja-JP" altLang="en-US" smtClean="0"/>
-              <a:t>2019/10/12</a:t>
+              <a:t>2019/12/10</a:t>
             </a:fld>
             <a:endParaRPr kumimoji="1" lang="ja-JP" altLang="en-US"/>
           </a:p>
@@ -2617,7 +2618,7 @@
           <a:p>
             <a:fld id="{A49973B6-710A-47A1-940A-9B352E82F0D3}" type="datetimeFigureOut">
               <a:rPr kumimoji="1" lang="ja-JP" altLang="en-US" smtClean="0"/>
-              <a:t>2019/10/12</a:t>
+              <a:t>2019/12/10</a:t>
             </a:fld>
             <a:endParaRPr kumimoji="1" lang="ja-JP" altLang="en-US"/>
           </a:p>
@@ -2862,7 +2863,7 @@
           <a:p>
             <a:fld id="{A49973B6-710A-47A1-940A-9B352E82F0D3}" type="datetimeFigureOut">
               <a:rPr kumimoji="1" lang="ja-JP" altLang="en-US" smtClean="0"/>
-              <a:t>2019/10/12</a:t>
+              <a:t>2019/12/10</a:t>
             </a:fld>
             <a:endParaRPr kumimoji="1" lang="ja-JP" altLang="en-US"/>
           </a:p>
@@ -6679,8 +6680,8 @@
         </p:nvSpPr>
         <p:spPr>
           <a:xfrm>
-            <a:off x="3251042" y="3751897"/>
-            <a:ext cx="4541520" cy="868681"/>
+            <a:off x="2736083" y="4021137"/>
+            <a:ext cx="5495239" cy="868681"/>
           </a:xfrm>
           <a:prstGeom prst="ellipse">
             <a:avLst/>
@@ -6721,10 +6722,10 @@
       </p:sp>
       <p:cxnSp>
         <p:nvCxnSpPr>
-          <p:cNvPr id="11" name="直線コネクタ 10">
-            <a:extLst>
-              <a:ext uri="{FF2B5EF4-FFF2-40B4-BE49-F238E27FC236}">
-                <a16:creationId xmlns:a16="http://schemas.microsoft.com/office/drawing/2014/main" id="{4E77508F-CF36-4C8C-8CA8-2E7DBB0E67EA}"/>
+          <p:cNvPr id="12" name="直線コネクタ 11">
+            <a:extLst>
+              <a:ext uri="{FF2B5EF4-FFF2-40B4-BE49-F238E27FC236}">
+                <a16:creationId xmlns:a16="http://schemas.microsoft.com/office/drawing/2014/main" id="{9491B89C-B325-4ACC-955D-5191AE2BF5B0}"/>
               </a:ext>
             </a:extLst>
           </p:cNvPr>
@@ -6734,9 +6735,9 @@
           <p:nvPr/>
         </p:nvCxnSpPr>
         <p:spPr>
-          <a:xfrm flipH="1">
-            <a:off x="6737325" y="1862138"/>
-            <a:ext cx="369170" cy="1889759"/>
+          <a:xfrm>
+            <a:off x="5407503" y="1794202"/>
+            <a:ext cx="1" cy="2218673"/>
           </a:xfrm>
           <a:prstGeom prst="line">
             <a:avLst/>
@@ -6762,65 +6763,22 @@
           </a:fontRef>
         </p:style>
       </p:cxnSp>
-      <p:cxnSp>
-        <p:nvCxnSpPr>
-          <p:cNvPr id="12" name="直線コネクタ 11">
-            <a:extLst>
-              <a:ext uri="{FF2B5EF4-FFF2-40B4-BE49-F238E27FC236}">
-                <a16:creationId xmlns:a16="http://schemas.microsoft.com/office/drawing/2014/main" id="{9491B89C-B325-4ACC-955D-5191AE2BF5B0}"/>
-              </a:ext>
-            </a:extLst>
-          </p:cNvPr>
-          <p:cNvCxnSpPr>
-            <a:cxnSpLocks/>
-          </p:cNvCxnSpPr>
-          <p:nvPr/>
-        </p:nvCxnSpPr>
+      <p:sp>
+        <p:nvSpPr>
+          <p:cNvPr id="14" name="正方形/長方形 13">
+            <a:extLst>
+              <a:ext uri="{FF2B5EF4-FFF2-40B4-BE49-F238E27FC236}">
+                <a16:creationId xmlns:a16="http://schemas.microsoft.com/office/drawing/2014/main" id="{0C1A4802-F6EC-462E-919D-CDE5EA094719}"/>
+              </a:ext>
+            </a:extLst>
+          </p:cNvPr>
+          <p:cNvSpPr/>
+          <p:nvPr/>
+        </p:nvSpPr>
         <p:spPr>
           <a:xfrm>
-            <a:off x="5445603" y="1798531"/>
-            <a:ext cx="1" cy="2016975"/>
-          </a:xfrm>
-          <a:prstGeom prst="line">
-            <a:avLst/>
-          </a:prstGeom>
-          <a:ln w="139700">
-            <a:solidFill>
-              <a:srgbClr val="63C2CD"/>
-            </a:solidFill>
-          </a:ln>
-        </p:spPr>
-        <p:style>
-          <a:lnRef idx="1">
-            <a:schemeClr val="accent1"/>
-          </a:lnRef>
-          <a:fillRef idx="0">
-            <a:schemeClr val="accent1"/>
-          </a:fillRef>
-          <a:effectRef idx="0">
-            <a:schemeClr val="accent1"/>
-          </a:effectRef>
-          <a:fontRef idx="minor">
-            <a:schemeClr val="tx1"/>
-          </a:fontRef>
-        </p:style>
-      </p:cxnSp>
-      <p:sp>
-        <p:nvSpPr>
-          <p:cNvPr id="14" name="正方形/長方形 13">
-            <a:extLst>
-              <a:ext uri="{FF2B5EF4-FFF2-40B4-BE49-F238E27FC236}">
-                <a16:creationId xmlns:a16="http://schemas.microsoft.com/office/drawing/2014/main" id="{0C1A4802-F6EC-462E-919D-CDE5EA094719}"/>
-              </a:ext>
-            </a:extLst>
-          </p:cNvPr>
-          <p:cNvSpPr/>
-          <p:nvPr/>
-        </p:nvSpPr>
-        <p:spPr>
-          <a:xfrm>
-            <a:off x="2899031" y="4186238"/>
-            <a:ext cx="5165263" cy="868681"/>
+            <a:off x="781412" y="4427298"/>
+            <a:ext cx="9150579" cy="868681"/>
           </a:xfrm>
           <a:prstGeom prst="rect">
             <a:avLst/>
@@ -6875,8 +6833,8 @@
         </p:nvCxnSpPr>
         <p:spPr>
           <a:xfrm>
-            <a:off x="3877853" y="1924074"/>
-            <a:ext cx="369170" cy="1889759"/>
+            <a:off x="3865153" y="1931184"/>
+            <a:ext cx="369170" cy="2078738"/>
           </a:xfrm>
           <a:prstGeom prst="line">
             <a:avLst/>
@@ -6916,8 +6874,8 @@
         </p:nvSpPr>
         <p:spPr>
           <a:xfrm>
-            <a:off x="2471366" y="4261129"/>
-            <a:ext cx="6239209" cy="1107996"/>
+            <a:off x="1828935" y="4433737"/>
+            <a:ext cx="8585065" cy="923330"/>
           </a:xfrm>
           <a:prstGeom prst="rect">
             <a:avLst/>
@@ -6925,35 +6883,39 @@
           <a:noFill/>
         </p:spPr>
         <p:txBody>
-          <a:bodyPr wrap="none" rtlCol="0">
+          <a:bodyPr wrap="square" rtlCol="0">
             <a:spAutoFit/>
           </a:bodyPr>
           <a:lstStyle/>
           <a:p>
             <a:r>
-              <a:rPr lang="en-US" altLang="ja-JP" sz="6600" spc="300" dirty="0">
+              <a:rPr lang="en-US" altLang="ja-JP" sz="5400" b="1" spc="-300" dirty="0">
                 <a:solidFill>
                   <a:srgbClr val="63C2CD"/>
                 </a:solidFill>
-                <a:latin typeface="Bebas Neue" panose="00000500000000000000" pitchFamily="2" charset="0"/>
+                <a:latin typeface="Arial" panose="020B0604020202020204" pitchFamily="34" charset="0"/>
+                <a:ea typeface="Microsoft JhengHei UI" panose="020B0604030504040204" pitchFamily="34" charset="-120"/>
+                <a:cs typeface="Arial" panose="020B0604020202020204" pitchFamily="34" charset="0"/>
               </a:rPr>
               <a:t>REACT ACUPUNCTURE</a:t>
             </a:r>
-            <a:endParaRPr lang="ja-JP" altLang="en-US" sz="6600" spc="300" dirty="0">
+            <a:endParaRPr lang="ja-JP" altLang="en-US" sz="5400" b="1" spc="-300" dirty="0">
               <a:solidFill>
                 <a:srgbClr val="63C2CD"/>
               </a:solidFill>
-              <a:latin typeface="Bebas Neue" panose="00000500000000000000" pitchFamily="2" charset="0"/>
+              <a:latin typeface="Arial" panose="020B0604020202020204" pitchFamily="34" charset="0"/>
+              <a:ea typeface="Microsoft JhengHei UI" panose="020B0604030504040204" pitchFamily="34" charset="-120"/>
+              <a:cs typeface="Arial" panose="020B0604020202020204" pitchFamily="34" charset="0"/>
             </a:endParaRPr>
           </a:p>
         </p:txBody>
       </p:sp>
       <p:sp>
         <p:nvSpPr>
-          <p:cNvPr id="2" name="楕円 1">
-            <a:extLst>
-              <a:ext uri="{FF2B5EF4-FFF2-40B4-BE49-F238E27FC236}">
-                <a16:creationId xmlns:a16="http://schemas.microsoft.com/office/drawing/2014/main" id="{A9A0A2FF-6680-4D5B-A9CD-174577989535}"/>
+          <p:cNvPr id="15" name="楕円 14">
+            <a:extLst>
+              <a:ext uri="{FF2B5EF4-FFF2-40B4-BE49-F238E27FC236}">
+                <a16:creationId xmlns:a16="http://schemas.microsoft.com/office/drawing/2014/main" id="{65970909-5DDB-4DE6-A783-097411FFD04F}"/>
               </a:ext>
             </a:extLst>
           </p:cNvPr>
@@ -6962,7 +6924,7 @@
         </p:nvSpPr>
         <p:spPr>
           <a:xfrm>
-            <a:off x="3510122" y="1465899"/>
+            <a:off x="6657182" y="1625919"/>
             <a:ext cx="624841" cy="610575"/>
           </a:xfrm>
           <a:prstGeom prst="ellipse">
@@ -7002,10 +6964,10 @@
       </p:sp>
       <p:sp>
         <p:nvSpPr>
-          <p:cNvPr id="15" name="楕円 14">
-            <a:extLst>
-              <a:ext uri="{FF2B5EF4-FFF2-40B4-BE49-F238E27FC236}">
-                <a16:creationId xmlns:a16="http://schemas.microsoft.com/office/drawing/2014/main" id="{65970909-5DDB-4DE6-A783-097411FFD04F}"/>
+          <p:cNvPr id="17" name="楕円 16">
+            <a:extLst>
+              <a:ext uri="{FF2B5EF4-FFF2-40B4-BE49-F238E27FC236}">
+                <a16:creationId xmlns:a16="http://schemas.microsoft.com/office/drawing/2014/main" id="{C7F5D424-DF2E-462A-AC22-C561972336D0}"/>
               </a:ext>
             </a:extLst>
           </p:cNvPr>
@@ -7014,7 +6976,7 @@
         </p:nvSpPr>
         <p:spPr>
           <a:xfrm>
-            <a:off x="6824822" y="1465899"/>
+            <a:off x="5100796" y="1340168"/>
             <a:ext cx="624841" cy="610575"/>
           </a:xfrm>
           <a:prstGeom prst="ellipse">
@@ -7052,58 +7014,6 @@
           </a:p>
         </p:txBody>
       </p:sp>
-      <p:sp>
-        <p:nvSpPr>
-          <p:cNvPr id="17" name="楕円 16">
-            <a:extLst>
-              <a:ext uri="{FF2B5EF4-FFF2-40B4-BE49-F238E27FC236}">
-                <a16:creationId xmlns:a16="http://schemas.microsoft.com/office/drawing/2014/main" id="{C7F5D424-DF2E-462A-AC22-C561972336D0}"/>
-              </a:ext>
-            </a:extLst>
-          </p:cNvPr>
-          <p:cNvSpPr/>
-          <p:nvPr/>
-        </p:nvSpPr>
-        <p:spPr>
-          <a:xfrm>
-            <a:off x="5138896" y="1256348"/>
-            <a:ext cx="624841" cy="610575"/>
-          </a:xfrm>
-          <a:prstGeom prst="ellipse">
-            <a:avLst/>
-          </a:prstGeom>
-          <a:solidFill>
-            <a:srgbClr val="63C2CD"/>
-          </a:solidFill>
-          <a:ln>
-            <a:noFill/>
-          </a:ln>
-        </p:spPr>
-        <p:style>
-          <a:lnRef idx="2">
-            <a:schemeClr val="accent1">
-              <a:shade val="50000"/>
-            </a:schemeClr>
-          </a:lnRef>
-          <a:fillRef idx="1">
-            <a:schemeClr val="accent1"/>
-          </a:fillRef>
-          <a:effectRef idx="0">
-            <a:schemeClr val="accent1"/>
-          </a:effectRef>
-          <a:fontRef idx="minor">
-            <a:schemeClr val="lt1"/>
-          </a:fontRef>
-        </p:style>
-        <p:txBody>
-          <a:bodyPr rtlCol="0" anchor="ctr"/>
-          <a:lstStyle/>
-          <a:p>
-            <a:pPr algn="ctr"/>
-            <a:endParaRPr lang="ja-JP" altLang="en-US"/>
-          </a:p>
-        </p:txBody>
-      </p:sp>
       <p:cxnSp>
         <p:nvCxnSpPr>
           <p:cNvPr id="13" name="コネクタ: 曲線 12">
@@ -7120,7 +7030,7 @@
         </p:nvCxnSpPr>
         <p:spPr>
           <a:xfrm rot="16800000" flipH="1">
-            <a:off x="3064369" y="554237"/>
+            <a:off x="3056749" y="752357"/>
             <a:ext cx="832731" cy="645366"/>
           </a:xfrm>
           <a:prstGeom prst="curvedConnector3">
@@ -7165,7 +7075,7 @@
         </p:nvCxnSpPr>
         <p:spPr>
           <a:xfrm rot="4800000">
-            <a:off x="7066225" y="554237"/>
+            <a:off x="6890965" y="752357"/>
             <a:ext cx="832731" cy="645366"/>
           </a:xfrm>
           <a:prstGeom prst="curvedConnector3">
@@ -7210,7 +7120,7 @@
         </p:nvCxnSpPr>
         <p:spPr>
           <a:xfrm rot="3300000">
-            <a:off x="5057810" y="292563"/>
+            <a:off x="5019710" y="376383"/>
             <a:ext cx="832731" cy="645366"/>
           </a:xfrm>
           <a:prstGeom prst="curvedConnector3">
@@ -7239,10 +7149,105 @@
           </a:fontRef>
         </p:style>
       </p:cxnSp>
+      <p:cxnSp>
+        <p:nvCxnSpPr>
+          <p:cNvPr id="19" name="直線コネクタ 18">
+            <a:extLst>
+              <a:ext uri="{FF2B5EF4-FFF2-40B4-BE49-F238E27FC236}">
+                <a16:creationId xmlns:a16="http://schemas.microsoft.com/office/drawing/2014/main" id="{09D00DE1-4BF6-4F37-90F4-7755FFBF9A05}"/>
+              </a:ext>
+            </a:extLst>
+          </p:cNvPr>
+          <p:cNvCxnSpPr>
+            <a:cxnSpLocks/>
+          </p:cNvCxnSpPr>
+          <p:nvPr/>
+        </p:nvCxnSpPr>
+        <p:spPr>
+          <a:xfrm flipH="1">
+            <a:off x="6603273" y="1931184"/>
+            <a:ext cx="369170" cy="2078738"/>
+          </a:xfrm>
+          <a:prstGeom prst="line">
+            <a:avLst/>
+          </a:prstGeom>
+          <a:ln w="139700">
+            <a:solidFill>
+              <a:srgbClr val="63C2CD"/>
+            </a:solidFill>
+          </a:ln>
+        </p:spPr>
+        <p:style>
+          <a:lnRef idx="1">
+            <a:schemeClr val="accent1"/>
+          </a:lnRef>
+          <a:fillRef idx="0">
+            <a:schemeClr val="accent1"/>
+          </a:fillRef>
+          <a:effectRef idx="0">
+            <a:schemeClr val="accent1"/>
+          </a:effectRef>
+          <a:fontRef idx="minor">
+            <a:schemeClr val="tx1"/>
+          </a:fontRef>
+        </p:style>
+      </p:cxnSp>
+      <p:sp>
+        <p:nvSpPr>
+          <p:cNvPr id="20" name="楕円 19">
+            <a:extLst>
+              <a:ext uri="{FF2B5EF4-FFF2-40B4-BE49-F238E27FC236}">
+                <a16:creationId xmlns:a16="http://schemas.microsoft.com/office/drawing/2014/main" id="{8FCF05B2-18D0-470C-8159-4358B46C1067}"/>
+              </a:ext>
+            </a:extLst>
+          </p:cNvPr>
+          <p:cNvSpPr/>
+          <p:nvPr/>
+        </p:nvSpPr>
+        <p:spPr>
+          <a:xfrm>
+            <a:off x="3540602" y="1618299"/>
+            <a:ext cx="624841" cy="610575"/>
+          </a:xfrm>
+          <a:prstGeom prst="ellipse">
+            <a:avLst/>
+          </a:prstGeom>
+          <a:solidFill>
+            <a:srgbClr val="63C2CD"/>
+          </a:solidFill>
+          <a:ln>
+            <a:noFill/>
+          </a:ln>
+        </p:spPr>
+        <p:style>
+          <a:lnRef idx="2">
+            <a:schemeClr val="accent1">
+              <a:shade val="50000"/>
+            </a:schemeClr>
+          </a:lnRef>
+          <a:fillRef idx="1">
+            <a:schemeClr val="accent1"/>
+          </a:fillRef>
+          <a:effectRef idx="0">
+            <a:schemeClr val="accent1"/>
+          </a:effectRef>
+          <a:fontRef idx="minor">
+            <a:schemeClr val="lt1"/>
+          </a:fontRef>
+        </p:style>
+        <p:txBody>
+          <a:bodyPr rtlCol="0" anchor="ctr"/>
+          <a:lstStyle/>
+          <a:p>
+            <a:pPr algn="ctr"/>
+            <a:endParaRPr lang="ja-JP" altLang="en-US"/>
+          </a:p>
+        </p:txBody>
+      </p:sp>
     </p:spTree>
     <p:extLst>
       <p:ext uri="{BB962C8B-B14F-4D97-AF65-F5344CB8AC3E}">
-        <p14:creationId xmlns:p14="http://schemas.microsoft.com/office/powerpoint/2010/main" val="407904692"/>
+        <p14:creationId xmlns:p14="http://schemas.microsoft.com/office/powerpoint/2010/main" val="2198102190"/>
       </p:ext>
     </p:extLst>
   </p:cSld>
@@ -7283,8 +7288,8 @@
         </p:nvSpPr>
         <p:spPr>
           <a:xfrm>
-            <a:off x="2736083" y="4021137"/>
-            <a:ext cx="5495239" cy="868681"/>
+            <a:off x="3251042" y="3751897"/>
+            <a:ext cx="4541520" cy="868681"/>
           </a:xfrm>
           <a:prstGeom prst="ellipse">
             <a:avLst/>
@@ -7325,10 +7330,10 @@
       </p:sp>
       <p:cxnSp>
         <p:nvCxnSpPr>
-          <p:cNvPr id="12" name="直線コネクタ 11">
-            <a:extLst>
-              <a:ext uri="{FF2B5EF4-FFF2-40B4-BE49-F238E27FC236}">
-                <a16:creationId xmlns:a16="http://schemas.microsoft.com/office/drawing/2014/main" id="{9491B89C-B325-4ACC-955D-5191AE2BF5B0}"/>
+          <p:cNvPr id="11" name="直線コネクタ 10">
+            <a:extLst>
+              <a:ext uri="{FF2B5EF4-FFF2-40B4-BE49-F238E27FC236}">
+                <a16:creationId xmlns:a16="http://schemas.microsoft.com/office/drawing/2014/main" id="{4E77508F-CF36-4C8C-8CA8-2E7DBB0E67EA}"/>
               </a:ext>
             </a:extLst>
           </p:cNvPr>
@@ -7338,9 +7343,9 @@
           <p:nvPr/>
         </p:nvCxnSpPr>
         <p:spPr>
-          <a:xfrm>
-            <a:off x="5407503" y="1794202"/>
-            <a:ext cx="1" cy="2218673"/>
+          <a:xfrm flipH="1">
+            <a:off x="6737325" y="1862138"/>
+            <a:ext cx="369170" cy="1889759"/>
           </a:xfrm>
           <a:prstGeom prst="line">
             <a:avLst/>
@@ -7366,6 +7371,49 @@
           </a:fontRef>
         </p:style>
       </p:cxnSp>
+      <p:cxnSp>
+        <p:nvCxnSpPr>
+          <p:cNvPr id="12" name="直線コネクタ 11">
+            <a:extLst>
+              <a:ext uri="{FF2B5EF4-FFF2-40B4-BE49-F238E27FC236}">
+                <a16:creationId xmlns:a16="http://schemas.microsoft.com/office/drawing/2014/main" id="{9491B89C-B325-4ACC-955D-5191AE2BF5B0}"/>
+              </a:ext>
+            </a:extLst>
+          </p:cNvPr>
+          <p:cNvCxnSpPr>
+            <a:cxnSpLocks/>
+          </p:cNvCxnSpPr>
+          <p:nvPr/>
+        </p:nvCxnSpPr>
+        <p:spPr>
+          <a:xfrm>
+            <a:off x="5445603" y="1798531"/>
+            <a:ext cx="1" cy="2016975"/>
+          </a:xfrm>
+          <a:prstGeom prst="line">
+            <a:avLst/>
+          </a:prstGeom>
+          <a:ln w="139700">
+            <a:solidFill>
+              <a:srgbClr val="63C2CD"/>
+            </a:solidFill>
+          </a:ln>
+        </p:spPr>
+        <p:style>
+          <a:lnRef idx="1">
+            <a:schemeClr val="accent1"/>
+          </a:lnRef>
+          <a:fillRef idx="0">
+            <a:schemeClr val="accent1"/>
+          </a:fillRef>
+          <a:effectRef idx="0">
+            <a:schemeClr val="accent1"/>
+          </a:effectRef>
+          <a:fontRef idx="minor">
+            <a:schemeClr val="tx1"/>
+          </a:fontRef>
+        </p:style>
+      </p:cxnSp>
       <p:sp>
         <p:nvSpPr>
           <p:cNvPr id="14" name="正方形/長方形 13">
@@ -7380,8 +7428,8 @@
         </p:nvSpPr>
         <p:spPr>
           <a:xfrm>
-            <a:off x="781412" y="4427298"/>
-            <a:ext cx="9150579" cy="868681"/>
+            <a:off x="2899031" y="4186238"/>
+            <a:ext cx="5165263" cy="868681"/>
           </a:xfrm>
           <a:prstGeom prst="rect">
             <a:avLst/>
@@ -7436,8 +7484,8 @@
         </p:nvCxnSpPr>
         <p:spPr>
           <a:xfrm>
-            <a:off x="3865153" y="1931184"/>
-            <a:ext cx="369170" cy="2078738"/>
+            <a:off x="3877853" y="1924074"/>
+            <a:ext cx="369170" cy="1889759"/>
           </a:xfrm>
           <a:prstGeom prst="line">
             <a:avLst/>
@@ -7477,8 +7525,8 @@
         </p:nvSpPr>
         <p:spPr>
           <a:xfrm>
-            <a:off x="1828935" y="4433737"/>
-            <a:ext cx="8585065" cy="923330"/>
+            <a:off x="2471366" y="4261129"/>
+            <a:ext cx="6239209" cy="1107996"/>
           </a:xfrm>
           <a:prstGeom prst="rect">
             <a:avLst/>
@@ -7486,39 +7534,35 @@
           <a:noFill/>
         </p:spPr>
         <p:txBody>
-          <a:bodyPr wrap="square" rtlCol="0">
+          <a:bodyPr wrap="none" rtlCol="0">
             <a:spAutoFit/>
           </a:bodyPr>
           <a:lstStyle/>
           <a:p>
             <a:r>
-              <a:rPr lang="en-US" altLang="ja-JP" sz="5400" b="1" spc="-300" dirty="0">
+              <a:rPr lang="en-US" altLang="ja-JP" sz="6600" spc="300" dirty="0">
                 <a:solidFill>
                   <a:srgbClr val="63C2CD"/>
                 </a:solidFill>
-                <a:latin typeface="Arial" panose="020B0604020202020204" pitchFamily="34" charset="0"/>
-                <a:ea typeface="Microsoft JhengHei UI" panose="020B0604030504040204" pitchFamily="34" charset="-120"/>
-                <a:cs typeface="Arial" panose="020B0604020202020204" pitchFamily="34" charset="0"/>
+                <a:latin typeface="Bebas Neue" panose="00000500000000000000" pitchFamily="2" charset="0"/>
               </a:rPr>
               <a:t>REACT ACUPUNCTURE</a:t>
             </a:r>
-            <a:endParaRPr lang="ja-JP" altLang="en-US" sz="5400" b="1" spc="-300" dirty="0">
+            <a:endParaRPr lang="ja-JP" altLang="en-US" sz="6600" spc="300" dirty="0">
               <a:solidFill>
                 <a:srgbClr val="63C2CD"/>
               </a:solidFill>
-              <a:latin typeface="Arial" panose="020B0604020202020204" pitchFamily="34" charset="0"/>
-              <a:ea typeface="Microsoft JhengHei UI" panose="020B0604030504040204" pitchFamily="34" charset="-120"/>
-              <a:cs typeface="Arial" panose="020B0604020202020204" pitchFamily="34" charset="0"/>
+              <a:latin typeface="Bebas Neue" panose="00000500000000000000" pitchFamily="2" charset="0"/>
             </a:endParaRPr>
           </a:p>
         </p:txBody>
       </p:sp>
       <p:sp>
         <p:nvSpPr>
-          <p:cNvPr id="15" name="楕円 14">
-            <a:extLst>
-              <a:ext uri="{FF2B5EF4-FFF2-40B4-BE49-F238E27FC236}">
-                <a16:creationId xmlns:a16="http://schemas.microsoft.com/office/drawing/2014/main" id="{65970909-5DDB-4DE6-A783-097411FFD04F}"/>
+          <p:cNvPr id="2" name="楕円 1">
+            <a:extLst>
+              <a:ext uri="{FF2B5EF4-FFF2-40B4-BE49-F238E27FC236}">
+                <a16:creationId xmlns:a16="http://schemas.microsoft.com/office/drawing/2014/main" id="{A9A0A2FF-6680-4D5B-A9CD-174577989535}"/>
               </a:ext>
             </a:extLst>
           </p:cNvPr>
@@ -7527,7 +7571,7 @@
         </p:nvSpPr>
         <p:spPr>
           <a:xfrm>
-            <a:off x="6657182" y="1625919"/>
+            <a:off x="3510122" y="1465899"/>
             <a:ext cx="624841" cy="610575"/>
           </a:xfrm>
           <a:prstGeom prst="ellipse">
@@ -7567,10 +7611,10 @@
       </p:sp>
       <p:sp>
         <p:nvSpPr>
-          <p:cNvPr id="17" name="楕円 16">
-            <a:extLst>
-              <a:ext uri="{FF2B5EF4-FFF2-40B4-BE49-F238E27FC236}">
-                <a16:creationId xmlns:a16="http://schemas.microsoft.com/office/drawing/2014/main" id="{C7F5D424-DF2E-462A-AC22-C561972336D0}"/>
+          <p:cNvPr id="15" name="楕円 14">
+            <a:extLst>
+              <a:ext uri="{FF2B5EF4-FFF2-40B4-BE49-F238E27FC236}">
+                <a16:creationId xmlns:a16="http://schemas.microsoft.com/office/drawing/2014/main" id="{65970909-5DDB-4DE6-A783-097411FFD04F}"/>
               </a:ext>
             </a:extLst>
           </p:cNvPr>
@@ -7579,7 +7623,7 @@
         </p:nvSpPr>
         <p:spPr>
           <a:xfrm>
-            <a:off x="5100796" y="1340168"/>
+            <a:off x="6824822" y="1465899"/>
             <a:ext cx="624841" cy="610575"/>
           </a:xfrm>
           <a:prstGeom prst="ellipse">
@@ -7617,6 +7661,58 @@
           </a:p>
         </p:txBody>
       </p:sp>
+      <p:sp>
+        <p:nvSpPr>
+          <p:cNvPr id="17" name="楕円 16">
+            <a:extLst>
+              <a:ext uri="{FF2B5EF4-FFF2-40B4-BE49-F238E27FC236}">
+                <a16:creationId xmlns:a16="http://schemas.microsoft.com/office/drawing/2014/main" id="{C7F5D424-DF2E-462A-AC22-C561972336D0}"/>
+              </a:ext>
+            </a:extLst>
+          </p:cNvPr>
+          <p:cNvSpPr/>
+          <p:nvPr/>
+        </p:nvSpPr>
+        <p:spPr>
+          <a:xfrm>
+            <a:off x="5138896" y="1256348"/>
+            <a:ext cx="624841" cy="610575"/>
+          </a:xfrm>
+          <a:prstGeom prst="ellipse">
+            <a:avLst/>
+          </a:prstGeom>
+          <a:solidFill>
+            <a:srgbClr val="63C2CD"/>
+          </a:solidFill>
+          <a:ln>
+            <a:noFill/>
+          </a:ln>
+        </p:spPr>
+        <p:style>
+          <a:lnRef idx="2">
+            <a:schemeClr val="accent1">
+              <a:shade val="50000"/>
+            </a:schemeClr>
+          </a:lnRef>
+          <a:fillRef idx="1">
+            <a:schemeClr val="accent1"/>
+          </a:fillRef>
+          <a:effectRef idx="0">
+            <a:schemeClr val="accent1"/>
+          </a:effectRef>
+          <a:fontRef idx="minor">
+            <a:schemeClr val="lt1"/>
+          </a:fontRef>
+        </p:style>
+        <p:txBody>
+          <a:bodyPr rtlCol="0" anchor="ctr"/>
+          <a:lstStyle/>
+          <a:p>
+            <a:pPr algn="ctr"/>
+            <a:endParaRPr lang="ja-JP" altLang="en-US"/>
+          </a:p>
+        </p:txBody>
+      </p:sp>
       <p:cxnSp>
         <p:nvCxnSpPr>
           <p:cNvPr id="13" name="コネクタ: 曲線 12">
@@ -7633,7 +7729,7 @@
         </p:nvCxnSpPr>
         <p:spPr>
           <a:xfrm rot="16800000" flipH="1">
-            <a:off x="3056749" y="752357"/>
+            <a:off x="3064369" y="554237"/>
             <a:ext cx="832731" cy="645366"/>
           </a:xfrm>
           <a:prstGeom prst="curvedConnector3">
@@ -7678,7 +7774,7 @@
         </p:nvCxnSpPr>
         <p:spPr>
           <a:xfrm rot="4800000">
-            <a:off x="6890965" y="752357"/>
+            <a:off x="7066225" y="554237"/>
             <a:ext cx="832731" cy="645366"/>
           </a:xfrm>
           <a:prstGeom prst="curvedConnector3">
@@ -7723,7 +7819,7 @@
         </p:nvCxnSpPr>
         <p:spPr>
           <a:xfrm rot="3300000">
-            <a:off x="5019710" y="376383"/>
+            <a:off x="5057810" y="292563"/>
             <a:ext cx="832731" cy="645366"/>
           </a:xfrm>
           <a:prstGeom prst="curvedConnector3">
@@ -7752,28 +7848,59 @@
           </a:fontRef>
         </p:style>
       </p:cxnSp>
-      <p:cxnSp>
-        <p:nvCxnSpPr>
-          <p:cNvPr id="19" name="直線コネクタ 18">
-            <a:extLst>
-              <a:ext uri="{FF2B5EF4-FFF2-40B4-BE49-F238E27FC236}">
-                <a16:creationId xmlns:a16="http://schemas.microsoft.com/office/drawing/2014/main" id="{09D00DE1-4BF6-4F37-90F4-7755FFBF9A05}"/>
-              </a:ext>
-            </a:extLst>
-          </p:cNvPr>
-          <p:cNvCxnSpPr>
-            <a:cxnSpLocks/>
-          </p:cNvCxnSpPr>
-          <p:nvPr/>
-        </p:nvCxnSpPr>
-        <p:spPr>
-          <a:xfrm flipH="1">
-            <a:off x="6603273" y="1931184"/>
-            <a:ext cx="369170" cy="2078738"/>
-          </a:xfrm>
-          <a:prstGeom prst="line">
-            <a:avLst/>
-          </a:prstGeom>
+    </p:spTree>
+    <p:extLst>
+      <p:ext uri="{BB962C8B-B14F-4D97-AF65-F5344CB8AC3E}">
+        <p14:creationId xmlns:p14="http://schemas.microsoft.com/office/powerpoint/2010/main" val="407904692"/>
+      </p:ext>
+    </p:extLst>
+  </p:cSld>
+  <p:clrMapOvr>
+    <a:masterClrMapping/>
+  </p:clrMapOvr>
+</p:sld>
+</file>
+
+<file path=ppt/slides/slide8.xml><?xml version="1.0" encoding="utf-8"?>
+<p:sld xmlns:a="http://schemas.openxmlformats.org/drawingml/2006/main" xmlns:r="http://schemas.openxmlformats.org/officeDocument/2006/relationships" xmlns:p="http://schemas.openxmlformats.org/presentationml/2006/main">
+  <p:cSld>
+    <p:spTree>
+      <p:nvGrpSpPr>
+        <p:cNvPr id="1" name=""/>
+        <p:cNvGrpSpPr/>
+        <p:nvPr/>
+      </p:nvGrpSpPr>
+      <p:grpSpPr>
+        <a:xfrm>
+          <a:off x="0" y="0"/>
+          <a:ext cx="0" cy="0"/>
+          <a:chOff x="0" y="0"/>
+          <a:chExt cx="0" cy="0"/>
+        </a:xfrm>
+      </p:grpSpPr>
+      <p:sp>
+        <p:nvSpPr>
+          <p:cNvPr id="4" name="楕円 3">
+            <a:extLst>
+              <a:ext uri="{FF2B5EF4-FFF2-40B4-BE49-F238E27FC236}">
+                <a16:creationId xmlns:a16="http://schemas.microsoft.com/office/drawing/2014/main" id="{ECF1642D-0F15-40B1-9B65-2F49EE2E8FF4}"/>
+              </a:ext>
+            </a:extLst>
+          </p:cNvPr>
+          <p:cNvSpPr/>
+          <p:nvPr/>
+        </p:nvSpPr>
+        <p:spPr>
+          <a:xfrm>
+            <a:off x="3251042" y="3751897"/>
+            <a:ext cx="4541520" cy="868681"/>
+          </a:xfrm>
+          <a:prstGeom prst="ellipse">
+            <a:avLst/>
+          </a:prstGeom>
+          <a:solidFill>
+            <a:schemeClr val="bg1"/>
+          </a:solidFill>
           <a:ln w="139700">
             <a:solidFill>
               <a:srgbClr val="63C2CD"/>
@@ -7781,6 +7908,59 @@
           </a:ln>
         </p:spPr>
         <p:style>
+          <a:lnRef idx="2">
+            <a:schemeClr val="accent1">
+              <a:shade val="50000"/>
+            </a:schemeClr>
+          </a:lnRef>
+          <a:fillRef idx="1">
+            <a:schemeClr val="accent1"/>
+          </a:fillRef>
+          <a:effectRef idx="0">
+            <a:schemeClr val="accent1"/>
+          </a:effectRef>
+          <a:fontRef idx="minor">
+            <a:schemeClr val="lt1"/>
+          </a:fontRef>
+        </p:style>
+        <p:txBody>
+          <a:bodyPr rtlCol="0" anchor="ctr"/>
+          <a:lstStyle/>
+          <a:p>
+            <a:pPr algn="ctr"/>
+            <a:endParaRPr lang="ja-JP" altLang="en-US" dirty="0"/>
+          </a:p>
+        </p:txBody>
+      </p:sp>
+      <p:cxnSp>
+        <p:nvCxnSpPr>
+          <p:cNvPr id="11" name="直線コネクタ 10">
+            <a:extLst>
+              <a:ext uri="{FF2B5EF4-FFF2-40B4-BE49-F238E27FC236}">
+                <a16:creationId xmlns:a16="http://schemas.microsoft.com/office/drawing/2014/main" id="{4E77508F-CF36-4C8C-8CA8-2E7DBB0E67EA}"/>
+              </a:ext>
+            </a:extLst>
+          </p:cNvPr>
+          <p:cNvCxnSpPr>
+            <a:cxnSpLocks/>
+          </p:cNvCxnSpPr>
+          <p:nvPr/>
+        </p:nvCxnSpPr>
+        <p:spPr>
+          <a:xfrm flipH="1">
+            <a:off x="6737325" y="1862138"/>
+            <a:ext cx="369170" cy="1889759"/>
+          </a:xfrm>
+          <a:prstGeom prst="line">
+            <a:avLst/>
+          </a:prstGeom>
+          <a:ln w="139700">
+            <a:solidFill>
+              <a:srgbClr val="63C2CD"/>
+            </a:solidFill>
+          </a:ln>
+        </p:spPr>
+        <p:style>
           <a:lnRef idx="1">
             <a:schemeClr val="accent1"/>
           </a:lnRef>
@@ -7795,12 +7975,55 @@
           </a:fontRef>
         </p:style>
       </p:cxnSp>
-      <p:sp>
-        <p:nvSpPr>
-          <p:cNvPr id="20" name="楕円 19">
-            <a:extLst>
-              <a:ext uri="{FF2B5EF4-FFF2-40B4-BE49-F238E27FC236}">
-                <a16:creationId xmlns:a16="http://schemas.microsoft.com/office/drawing/2014/main" id="{8FCF05B2-18D0-470C-8159-4358B46C1067}"/>
+      <p:cxnSp>
+        <p:nvCxnSpPr>
+          <p:cNvPr id="12" name="直線コネクタ 11">
+            <a:extLst>
+              <a:ext uri="{FF2B5EF4-FFF2-40B4-BE49-F238E27FC236}">
+                <a16:creationId xmlns:a16="http://schemas.microsoft.com/office/drawing/2014/main" id="{9491B89C-B325-4ACC-955D-5191AE2BF5B0}"/>
+              </a:ext>
+            </a:extLst>
+          </p:cNvPr>
+          <p:cNvCxnSpPr>
+            <a:cxnSpLocks/>
+          </p:cNvCxnSpPr>
+          <p:nvPr/>
+        </p:nvCxnSpPr>
+        <p:spPr>
+          <a:xfrm>
+            <a:off x="5445603" y="1798531"/>
+            <a:ext cx="1" cy="2016975"/>
+          </a:xfrm>
+          <a:prstGeom prst="line">
+            <a:avLst/>
+          </a:prstGeom>
+          <a:ln w="139700">
+            <a:solidFill>
+              <a:srgbClr val="63C2CD"/>
+            </a:solidFill>
+          </a:ln>
+        </p:spPr>
+        <p:style>
+          <a:lnRef idx="1">
+            <a:schemeClr val="accent1"/>
+          </a:lnRef>
+          <a:fillRef idx="0">
+            <a:schemeClr val="accent1"/>
+          </a:fillRef>
+          <a:effectRef idx="0">
+            <a:schemeClr val="accent1"/>
+          </a:effectRef>
+          <a:fontRef idx="minor">
+            <a:schemeClr val="tx1"/>
+          </a:fontRef>
+        </p:style>
+      </p:cxnSp>
+      <p:sp>
+        <p:nvSpPr>
+          <p:cNvPr id="14" name="正方形/長方形 13">
+            <a:extLst>
+              <a:ext uri="{FF2B5EF4-FFF2-40B4-BE49-F238E27FC236}">
+                <a16:creationId xmlns:a16="http://schemas.microsoft.com/office/drawing/2014/main" id="{0C1A4802-F6EC-462E-919D-CDE5EA094719}"/>
               </a:ext>
             </a:extLst>
           </p:cNvPr>
@@ -7809,7 +8032,145 @@
         </p:nvSpPr>
         <p:spPr>
           <a:xfrm>
-            <a:off x="3540602" y="1618299"/>
+            <a:off x="2899031" y="4186238"/>
+            <a:ext cx="5165263" cy="868681"/>
+          </a:xfrm>
+          <a:prstGeom prst="rect">
+            <a:avLst/>
+          </a:prstGeom>
+          <a:solidFill>
+            <a:schemeClr val="bg1"/>
+          </a:solidFill>
+          <a:ln>
+            <a:solidFill>
+              <a:schemeClr val="bg1"/>
+            </a:solidFill>
+          </a:ln>
+        </p:spPr>
+        <p:style>
+          <a:lnRef idx="2">
+            <a:schemeClr val="accent1">
+              <a:shade val="50000"/>
+            </a:schemeClr>
+          </a:lnRef>
+          <a:fillRef idx="1">
+            <a:schemeClr val="accent1"/>
+          </a:fillRef>
+          <a:effectRef idx="0">
+            <a:schemeClr val="accent1"/>
+          </a:effectRef>
+          <a:fontRef idx="minor">
+            <a:schemeClr val="lt1"/>
+          </a:fontRef>
+        </p:style>
+        <p:txBody>
+          <a:bodyPr rtlCol="0" anchor="ctr"/>
+          <a:lstStyle/>
+          <a:p>
+            <a:pPr algn="ctr"/>
+            <a:endParaRPr lang="ja-JP" altLang="en-US"/>
+          </a:p>
+        </p:txBody>
+      </p:sp>
+      <p:cxnSp>
+        <p:nvCxnSpPr>
+          <p:cNvPr id="21" name="直線コネクタ 20">
+            <a:extLst>
+              <a:ext uri="{FF2B5EF4-FFF2-40B4-BE49-F238E27FC236}">
+                <a16:creationId xmlns:a16="http://schemas.microsoft.com/office/drawing/2014/main" id="{A01C5FA1-C3BF-489D-A66A-17EE881FFC20}"/>
+              </a:ext>
+            </a:extLst>
+          </p:cNvPr>
+          <p:cNvCxnSpPr>
+            <a:cxnSpLocks/>
+          </p:cNvCxnSpPr>
+          <p:nvPr/>
+        </p:nvCxnSpPr>
+        <p:spPr>
+          <a:xfrm>
+            <a:off x="3877853" y="1924074"/>
+            <a:ext cx="369170" cy="1889759"/>
+          </a:xfrm>
+          <a:prstGeom prst="line">
+            <a:avLst/>
+          </a:prstGeom>
+          <a:ln w="139700">
+            <a:solidFill>
+              <a:srgbClr val="63C2CD"/>
+            </a:solidFill>
+          </a:ln>
+        </p:spPr>
+        <p:style>
+          <a:lnRef idx="1">
+            <a:schemeClr val="accent1"/>
+          </a:lnRef>
+          <a:fillRef idx="0">
+            <a:schemeClr val="accent1"/>
+          </a:fillRef>
+          <a:effectRef idx="0">
+            <a:schemeClr val="accent1"/>
+          </a:effectRef>
+          <a:fontRef idx="minor">
+            <a:schemeClr val="tx1"/>
+          </a:fontRef>
+        </p:style>
+      </p:cxnSp>
+      <p:sp>
+        <p:nvSpPr>
+          <p:cNvPr id="22" name="テキスト ボックス 21">
+            <a:extLst>
+              <a:ext uri="{FF2B5EF4-FFF2-40B4-BE49-F238E27FC236}">
+                <a16:creationId xmlns:a16="http://schemas.microsoft.com/office/drawing/2014/main" id="{DC440C76-3304-4F5B-A75E-241795307AB9}"/>
+              </a:ext>
+            </a:extLst>
+          </p:cNvPr>
+          <p:cNvSpPr txBox="1"/>
+          <p:nvPr/>
+        </p:nvSpPr>
+        <p:spPr>
+          <a:xfrm>
+            <a:off x="2632251" y="4291609"/>
+            <a:ext cx="5840060" cy="1015663"/>
+          </a:xfrm>
+          <a:prstGeom prst="rect">
+            <a:avLst/>
+          </a:prstGeom>
+          <a:noFill/>
+        </p:spPr>
+        <p:txBody>
+          <a:bodyPr wrap="none" rtlCol="0">
+            <a:spAutoFit/>
+          </a:bodyPr>
+          <a:lstStyle/>
+          <a:p>
+            <a:r>
+              <a:rPr lang="ja-JP" altLang="en-US" sz="6000" spc="300" dirty="0">
+                <a:solidFill>
+                  <a:srgbClr val="63C2CD"/>
+                </a:solidFill>
+                <a:latin typeface="UD デジタル 教科書体 NP-R" panose="02020400000000000000" pitchFamily="18" charset="-128"/>
+                <a:ea typeface="UD デジタル 教科書体 NP-R" panose="02020400000000000000" pitchFamily="18" charset="-128"/>
+              </a:rPr>
+              <a:t>リアクト鍼灸院</a:t>
+            </a:r>
+          </a:p>
+        </p:txBody>
+      </p:sp>
+      <p:sp>
+        <p:nvSpPr>
+          <p:cNvPr id="2" name="楕円 1">
+            <a:extLst>
+              <a:ext uri="{FF2B5EF4-FFF2-40B4-BE49-F238E27FC236}">
+                <a16:creationId xmlns:a16="http://schemas.microsoft.com/office/drawing/2014/main" id="{A9A0A2FF-6680-4D5B-A9CD-174577989535}"/>
+              </a:ext>
+            </a:extLst>
+          </p:cNvPr>
+          <p:cNvSpPr/>
+          <p:nvPr/>
+        </p:nvSpPr>
+        <p:spPr>
+          <a:xfrm>
+            <a:off x="3510122" y="1465899"/>
             <a:ext cx="624841" cy="610575"/>
           </a:xfrm>
           <a:prstGeom prst="ellipse">
@@ -7847,10 +8208,249 @@
           </a:p>
         </p:txBody>
       </p:sp>
+      <p:sp>
+        <p:nvSpPr>
+          <p:cNvPr id="15" name="楕円 14">
+            <a:extLst>
+              <a:ext uri="{FF2B5EF4-FFF2-40B4-BE49-F238E27FC236}">
+                <a16:creationId xmlns:a16="http://schemas.microsoft.com/office/drawing/2014/main" id="{65970909-5DDB-4DE6-A783-097411FFD04F}"/>
+              </a:ext>
+            </a:extLst>
+          </p:cNvPr>
+          <p:cNvSpPr/>
+          <p:nvPr/>
+        </p:nvSpPr>
+        <p:spPr>
+          <a:xfrm>
+            <a:off x="6824822" y="1465899"/>
+            <a:ext cx="624841" cy="610575"/>
+          </a:xfrm>
+          <a:prstGeom prst="ellipse">
+            <a:avLst/>
+          </a:prstGeom>
+          <a:solidFill>
+            <a:srgbClr val="63C2CD"/>
+          </a:solidFill>
+          <a:ln>
+            <a:noFill/>
+          </a:ln>
+        </p:spPr>
+        <p:style>
+          <a:lnRef idx="2">
+            <a:schemeClr val="accent1">
+              <a:shade val="50000"/>
+            </a:schemeClr>
+          </a:lnRef>
+          <a:fillRef idx="1">
+            <a:schemeClr val="accent1"/>
+          </a:fillRef>
+          <a:effectRef idx="0">
+            <a:schemeClr val="accent1"/>
+          </a:effectRef>
+          <a:fontRef idx="minor">
+            <a:schemeClr val="lt1"/>
+          </a:fontRef>
+        </p:style>
+        <p:txBody>
+          <a:bodyPr rtlCol="0" anchor="ctr"/>
+          <a:lstStyle/>
+          <a:p>
+            <a:pPr algn="ctr"/>
+            <a:endParaRPr lang="ja-JP" altLang="en-US"/>
+          </a:p>
+        </p:txBody>
+      </p:sp>
+      <p:sp>
+        <p:nvSpPr>
+          <p:cNvPr id="17" name="楕円 16">
+            <a:extLst>
+              <a:ext uri="{FF2B5EF4-FFF2-40B4-BE49-F238E27FC236}">
+                <a16:creationId xmlns:a16="http://schemas.microsoft.com/office/drawing/2014/main" id="{C7F5D424-DF2E-462A-AC22-C561972336D0}"/>
+              </a:ext>
+            </a:extLst>
+          </p:cNvPr>
+          <p:cNvSpPr/>
+          <p:nvPr/>
+        </p:nvSpPr>
+        <p:spPr>
+          <a:xfrm>
+            <a:off x="5138896" y="1256348"/>
+            <a:ext cx="624841" cy="610575"/>
+          </a:xfrm>
+          <a:prstGeom prst="ellipse">
+            <a:avLst/>
+          </a:prstGeom>
+          <a:solidFill>
+            <a:srgbClr val="63C2CD"/>
+          </a:solidFill>
+          <a:ln>
+            <a:noFill/>
+          </a:ln>
+        </p:spPr>
+        <p:style>
+          <a:lnRef idx="2">
+            <a:schemeClr val="accent1">
+              <a:shade val="50000"/>
+            </a:schemeClr>
+          </a:lnRef>
+          <a:fillRef idx="1">
+            <a:schemeClr val="accent1"/>
+          </a:fillRef>
+          <a:effectRef idx="0">
+            <a:schemeClr val="accent1"/>
+          </a:effectRef>
+          <a:fontRef idx="minor">
+            <a:schemeClr val="lt1"/>
+          </a:fontRef>
+        </p:style>
+        <p:txBody>
+          <a:bodyPr rtlCol="0" anchor="ctr"/>
+          <a:lstStyle/>
+          <a:p>
+            <a:pPr algn="ctr"/>
+            <a:endParaRPr lang="ja-JP" altLang="en-US"/>
+          </a:p>
+        </p:txBody>
+      </p:sp>
+      <p:cxnSp>
+        <p:nvCxnSpPr>
+          <p:cNvPr id="13" name="コネクタ: 曲線 12">
+            <a:extLst>
+              <a:ext uri="{FF2B5EF4-FFF2-40B4-BE49-F238E27FC236}">
+                <a16:creationId xmlns:a16="http://schemas.microsoft.com/office/drawing/2014/main" id="{B7093662-2E44-4361-8C1E-F60EF4A3DED9}"/>
+              </a:ext>
+            </a:extLst>
+          </p:cNvPr>
+          <p:cNvCxnSpPr>
+            <a:cxnSpLocks/>
+          </p:cNvCxnSpPr>
+          <p:nvPr/>
+        </p:nvCxnSpPr>
+        <p:spPr>
+          <a:xfrm rot="16800000" flipH="1">
+            <a:off x="3064369" y="554237"/>
+            <a:ext cx="832731" cy="645366"/>
+          </a:xfrm>
+          <a:prstGeom prst="curvedConnector3">
+            <a:avLst/>
+          </a:prstGeom>
+          <a:ln w="88900">
+            <a:solidFill>
+              <a:srgbClr val="63C2CD">
+                <a:alpha val="99000"/>
+              </a:srgbClr>
+            </a:solidFill>
+          </a:ln>
+        </p:spPr>
+        <p:style>
+          <a:lnRef idx="1">
+            <a:schemeClr val="accent1"/>
+          </a:lnRef>
+          <a:fillRef idx="0">
+            <a:schemeClr val="accent1"/>
+          </a:fillRef>
+          <a:effectRef idx="0">
+            <a:schemeClr val="accent1"/>
+          </a:effectRef>
+          <a:fontRef idx="minor">
+            <a:schemeClr val="tx1"/>
+          </a:fontRef>
+        </p:style>
+      </p:cxnSp>
+      <p:cxnSp>
+        <p:nvCxnSpPr>
+          <p:cNvPr id="16" name="コネクタ: 曲線 15">
+            <a:extLst>
+              <a:ext uri="{FF2B5EF4-FFF2-40B4-BE49-F238E27FC236}">
+                <a16:creationId xmlns:a16="http://schemas.microsoft.com/office/drawing/2014/main" id="{60A265A6-C953-4C3B-AC29-D98A65C1DC7D}"/>
+              </a:ext>
+            </a:extLst>
+          </p:cNvPr>
+          <p:cNvCxnSpPr>
+            <a:cxnSpLocks/>
+          </p:cNvCxnSpPr>
+          <p:nvPr/>
+        </p:nvCxnSpPr>
+        <p:spPr>
+          <a:xfrm rot="4800000">
+            <a:off x="7066225" y="554237"/>
+            <a:ext cx="832731" cy="645366"/>
+          </a:xfrm>
+          <a:prstGeom prst="curvedConnector3">
+            <a:avLst/>
+          </a:prstGeom>
+          <a:ln w="88900">
+            <a:solidFill>
+              <a:srgbClr val="63C2CD">
+                <a:alpha val="99000"/>
+              </a:srgbClr>
+            </a:solidFill>
+          </a:ln>
+        </p:spPr>
+        <p:style>
+          <a:lnRef idx="1">
+            <a:schemeClr val="accent1"/>
+          </a:lnRef>
+          <a:fillRef idx="0">
+            <a:schemeClr val="accent1"/>
+          </a:fillRef>
+          <a:effectRef idx="0">
+            <a:schemeClr val="accent1"/>
+          </a:effectRef>
+          <a:fontRef idx="minor">
+            <a:schemeClr val="tx1"/>
+          </a:fontRef>
+        </p:style>
+      </p:cxnSp>
+      <p:cxnSp>
+        <p:nvCxnSpPr>
+          <p:cNvPr id="18" name="コネクタ: 曲線 17">
+            <a:extLst>
+              <a:ext uri="{FF2B5EF4-FFF2-40B4-BE49-F238E27FC236}">
+                <a16:creationId xmlns:a16="http://schemas.microsoft.com/office/drawing/2014/main" id="{2D427D44-59BA-4194-A0E8-FC79B5C8B685}"/>
+              </a:ext>
+            </a:extLst>
+          </p:cNvPr>
+          <p:cNvCxnSpPr>
+            <a:cxnSpLocks/>
+          </p:cNvCxnSpPr>
+          <p:nvPr/>
+        </p:nvCxnSpPr>
+        <p:spPr>
+          <a:xfrm rot="3300000">
+            <a:off x="5057810" y="292563"/>
+            <a:ext cx="832731" cy="645366"/>
+          </a:xfrm>
+          <a:prstGeom prst="curvedConnector3">
+            <a:avLst/>
+          </a:prstGeom>
+          <a:ln w="88900">
+            <a:solidFill>
+              <a:srgbClr val="63C2CD">
+                <a:alpha val="99000"/>
+              </a:srgbClr>
+            </a:solidFill>
+          </a:ln>
+        </p:spPr>
+        <p:style>
+          <a:lnRef idx="1">
+            <a:schemeClr val="accent1"/>
+          </a:lnRef>
+          <a:fillRef idx="0">
+            <a:schemeClr val="accent1"/>
+          </a:fillRef>
+          <a:effectRef idx="0">
+            <a:schemeClr val="accent1"/>
+          </a:effectRef>
+          <a:fontRef idx="minor">
+            <a:schemeClr val="tx1"/>
+          </a:fontRef>
+        </p:style>
+      </p:cxnSp>
     </p:spTree>
     <p:extLst>
       <p:ext uri="{BB962C8B-B14F-4D97-AF65-F5344CB8AC3E}">
-        <p14:creationId xmlns:p14="http://schemas.microsoft.com/office/powerpoint/2010/main" val="2198102190"/>
+        <p14:creationId xmlns:p14="http://schemas.microsoft.com/office/powerpoint/2010/main" val="2563280746"/>
       </p:ext>
     </p:extLst>
   </p:cSld>

--- a/assets/logoidea/ロゴ案1.pptx
+++ b/assets/logoidea/ロゴ案1.pptx
@@ -13,6 +13,7 @@
     <p:sldId id="262" r:id="rId7"/>
     <p:sldId id="260" r:id="rId8"/>
     <p:sldId id="263" r:id="rId9"/>
+    <p:sldId id="264" r:id="rId10"/>
   </p:sldIdLst>
   <p:sldSz cx="10799763" cy="5400675"/>
   <p:notesSz cx="6858000" cy="9144000"/>
@@ -250,7 +251,7 @@
           <a:p>
             <a:fld id="{A49973B6-710A-47A1-940A-9B352E82F0D3}" type="datetimeFigureOut">
               <a:rPr kumimoji="1" lang="ja-JP" altLang="en-US" smtClean="0"/>
-              <a:t>2019/12/10</a:t>
+              <a:t>2019/12/15</a:t>
             </a:fld>
             <a:endParaRPr kumimoji="1" lang="ja-JP" altLang="en-US"/>
           </a:p>
@@ -452,7 +453,7 @@
           <a:p>
             <a:fld id="{A49973B6-710A-47A1-940A-9B352E82F0D3}" type="datetimeFigureOut">
               <a:rPr kumimoji="1" lang="ja-JP" altLang="en-US" smtClean="0"/>
-              <a:t>2019/12/10</a:t>
+              <a:t>2019/12/15</a:t>
             </a:fld>
             <a:endParaRPr kumimoji="1" lang="ja-JP" altLang="en-US"/>
           </a:p>
@@ -664,7 +665,7 @@
           <a:p>
             <a:fld id="{A49973B6-710A-47A1-940A-9B352E82F0D3}" type="datetimeFigureOut">
               <a:rPr kumimoji="1" lang="ja-JP" altLang="en-US" smtClean="0"/>
-              <a:t>2019/12/10</a:t>
+              <a:t>2019/12/15</a:t>
             </a:fld>
             <a:endParaRPr kumimoji="1" lang="ja-JP" altLang="en-US"/>
           </a:p>
@@ -866,7 +867,7 @@
           <a:p>
             <a:fld id="{A49973B6-710A-47A1-940A-9B352E82F0D3}" type="datetimeFigureOut">
               <a:rPr kumimoji="1" lang="ja-JP" altLang="en-US" smtClean="0"/>
-              <a:t>2019/12/10</a:t>
+              <a:t>2019/12/15</a:t>
             </a:fld>
             <a:endParaRPr kumimoji="1" lang="ja-JP" altLang="en-US"/>
           </a:p>
@@ -1112,7 +1113,7 @@
           <a:p>
             <a:fld id="{A49973B6-710A-47A1-940A-9B352E82F0D3}" type="datetimeFigureOut">
               <a:rPr kumimoji="1" lang="ja-JP" altLang="en-US" smtClean="0"/>
-              <a:t>2019/12/10</a:t>
+              <a:t>2019/12/15</a:t>
             </a:fld>
             <a:endParaRPr kumimoji="1" lang="ja-JP" altLang="en-US"/>
           </a:p>
@@ -1408,7 +1409,7 @@
           <a:p>
             <a:fld id="{A49973B6-710A-47A1-940A-9B352E82F0D3}" type="datetimeFigureOut">
               <a:rPr kumimoji="1" lang="ja-JP" altLang="en-US" smtClean="0"/>
-              <a:t>2019/12/10</a:t>
+              <a:t>2019/12/15</a:t>
             </a:fld>
             <a:endParaRPr kumimoji="1" lang="ja-JP" altLang="en-US"/>
           </a:p>
@@ -1839,7 +1840,7 @@
           <a:p>
             <a:fld id="{A49973B6-710A-47A1-940A-9B352E82F0D3}" type="datetimeFigureOut">
               <a:rPr kumimoji="1" lang="ja-JP" altLang="en-US" smtClean="0"/>
-              <a:t>2019/12/10</a:t>
+              <a:t>2019/12/15</a:t>
             </a:fld>
             <a:endParaRPr kumimoji="1" lang="ja-JP" altLang="en-US"/>
           </a:p>
@@ -1957,7 +1958,7 @@
           <a:p>
             <a:fld id="{A49973B6-710A-47A1-940A-9B352E82F0D3}" type="datetimeFigureOut">
               <a:rPr kumimoji="1" lang="ja-JP" altLang="en-US" smtClean="0"/>
-              <a:t>2019/12/10</a:t>
+              <a:t>2019/12/15</a:t>
             </a:fld>
             <a:endParaRPr kumimoji="1" lang="ja-JP" altLang="en-US"/>
           </a:p>
@@ -2052,7 +2053,7 @@
           <a:p>
             <a:fld id="{A49973B6-710A-47A1-940A-9B352E82F0D3}" type="datetimeFigureOut">
               <a:rPr kumimoji="1" lang="ja-JP" altLang="en-US" smtClean="0"/>
-              <a:t>2019/12/10</a:t>
+              <a:t>2019/12/15</a:t>
             </a:fld>
             <a:endParaRPr kumimoji="1" lang="ja-JP" altLang="en-US"/>
           </a:p>
@@ -2361,7 +2362,7 @@
           <a:p>
             <a:fld id="{A49973B6-710A-47A1-940A-9B352E82F0D3}" type="datetimeFigureOut">
               <a:rPr kumimoji="1" lang="ja-JP" altLang="en-US" smtClean="0"/>
-              <a:t>2019/12/10</a:t>
+              <a:t>2019/12/15</a:t>
             </a:fld>
             <a:endParaRPr kumimoji="1" lang="ja-JP" altLang="en-US"/>
           </a:p>
@@ -2618,7 +2619,7 @@
           <a:p>
             <a:fld id="{A49973B6-710A-47A1-940A-9B352E82F0D3}" type="datetimeFigureOut">
               <a:rPr kumimoji="1" lang="ja-JP" altLang="en-US" smtClean="0"/>
-              <a:t>2019/12/10</a:t>
+              <a:t>2019/12/15</a:t>
             </a:fld>
             <a:endParaRPr kumimoji="1" lang="ja-JP" altLang="en-US"/>
           </a:p>
@@ -2863,7 +2864,7 @@
           <a:p>
             <a:fld id="{A49973B6-710A-47A1-940A-9B352E82F0D3}" type="datetimeFigureOut">
               <a:rPr kumimoji="1" lang="ja-JP" altLang="en-US" smtClean="0"/>
-              <a:t>2019/12/10</a:t>
+              <a:t>2019/12/15</a:t>
             </a:fld>
             <a:endParaRPr kumimoji="1" lang="ja-JP" altLang="en-US"/>
           </a:p>
@@ -8460,6 +8461,66 @@
 </p:sld>
 </file>
 
+<file path=ppt/slides/slide9.xml><?xml version="1.0" encoding="utf-8"?>
+<p:sld xmlns:a="http://schemas.openxmlformats.org/drawingml/2006/main" xmlns:r="http://schemas.openxmlformats.org/officeDocument/2006/relationships" xmlns:p="http://schemas.openxmlformats.org/presentationml/2006/main">
+  <p:cSld>
+    <p:spTree>
+      <p:nvGrpSpPr>
+        <p:cNvPr id="1" name=""/>
+        <p:cNvGrpSpPr/>
+        <p:nvPr/>
+      </p:nvGrpSpPr>
+      <p:grpSpPr>
+        <a:xfrm>
+          <a:off x="0" y="0"/>
+          <a:ext cx="0" cy="0"/>
+          <a:chOff x="0" y="0"/>
+          <a:chExt cx="0" cy="0"/>
+        </a:xfrm>
+      </p:grpSpPr>
+      <p:pic>
+        <p:nvPicPr>
+          <p:cNvPr id="3" name="図 2">
+            <a:extLst>
+              <a:ext uri="{FF2B5EF4-FFF2-40B4-BE49-F238E27FC236}">
+                <a16:creationId xmlns:a16="http://schemas.microsoft.com/office/drawing/2014/main" id="{65C3468F-A85C-4FAD-B035-83A1B799F3D0}"/>
+              </a:ext>
+            </a:extLst>
+          </p:cNvPr>
+          <p:cNvPicPr>
+            <a:picLocks noChangeAspect="1"/>
+          </p:cNvPicPr>
+          <p:nvPr/>
+        </p:nvPicPr>
+        <p:blipFill>
+          <a:blip r:embed="rId2"/>
+          <a:stretch>
+            <a:fillRect/>
+          </a:stretch>
+        </p:blipFill>
+        <p:spPr>
+          <a:xfrm>
+            <a:off x="3184547" y="777477"/>
+            <a:ext cx="4430667" cy="3845720"/>
+          </a:xfrm>
+          <a:prstGeom prst="rect">
+            <a:avLst/>
+          </a:prstGeom>
+        </p:spPr>
+      </p:pic>
+    </p:spTree>
+    <p:extLst>
+      <p:ext uri="{BB962C8B-B14F-4D97-AF65-F5344CB8AC3E}">
+        <p14:creationId xmlns:p14="http://schemas.microsoft.com/office/powerpoint/2010/main" val="418911856"/>
+      </p:ext>
+    </p:extLst>
+  </p:cSld>
+  <p:clrMapOvr>
+    <a:masterClrMapping/>
+  </p:clrMapOvr>
+</p:sld>
+</file>
+
 <file path=ppt/theme/theme1.xml><?xml version="1.0" encoding="utf-8"?>
 <a:theme xmlns:a="http://schemas.openxmlformats.org/drawingml/2006/main" name="Office テーマ">
   <a:themeElements>
